--- a/ImageCaption_Brisudova.pptx
+++ b/ImageCaption_Brisudova.pptx
@@ -169,7 +169,7 @@
   <pc:docChgLst>
     <pc:chgData name="Natasa Brisudova" userId="4d1d74fd4e46f723" providerId="LiveId" clId="{4B53460E-83C2-4FD2-AC90-769241754904}"/>
     <pc:docChg chg="undo custSel addSld delSld modSld modSection">
-      <pc:chgData name="Natasa Brisudova" userId="4d1d74fd4e46f723" providerId="LiveId" clId="{4B53460E-83C2-4FD2-AC90-769241754904}" dt="2023-02-20T13:18:03.389" v="3750" actId="255"/>
+      <pc:chgData name="Natasa Brisudova" userId="4d1d74fd4e46f723" providerId="LiveId" clId="{4B53460E-83C2-4FD2-AC90-769241754904}" dt="2023-02-20T20:06:36.727" v="3773" actId="20577"/>
       <pc:docMkLst>
         <pc:docMk/>
       </pc:docMkLst>
@@ -608,7 +608,7 @@
         </pc:picChg>
       </pc:sldChg>
       <pc:sldChg chg="addSp delSp modSp add mod">
-        <pc:chgData name="Natasa Brisudova" userId="4d1d74fd4e46f723" providerId="LiveId" clId="{4B53460E-83C2-4FD2-AC90-769241754904}" dt="2023-02-20T13:18:03.389" v="3750" actId="255"/>
+        <pc:chgData name="Natasa Brisudova" userId="4d1d74fd4e46f723" providerId="LiveId" clId="{4B53460E-83C2-4FD2-AC90-769241754904}" dt="2023-02-20T20:06:36.727" v="3773" actId="20577"/>
         <pc:sldMkLst>
           <pc:docMk/>
           <pc:sldMk cId="309960439" sldId="300"/>
@@ -678,7 +678,7 @@
           </ac:spMkLst>
         </pc:spChg>
         <pc:spChg chg="mod">
-          <ac:chgData name="Natasa Brisudova" userId="4d1d74fd4e46f723" providerId="LiveId" clId="{4B53460E-83C2-4FD2-AC90-769241754904}" dt="2023-02-19T14:21:06.742" v="2983" actId="27636"/>
+          <ac:chgData name="Natasa Brisudova" userId="4d1d74fd4e46f723" providerId="LiveId" clId="{4B53460E-83C2-4FD2-AC90-769241754904}" dt="2023-02-20T20:06:36.727" v="3773" actId="20577"/>
           <ac:spMkLst>
             <pc:docMk/>
             <pc:sldMk cId="309960439" sldId="300"/>
@@ -1224,7 +1224,7 @@
           <a:p>
             <a:fld id="{C737939C-241D-4FDC-8DE8-4EE3F462EE22}" type="datetimeFigureOut">
               <a:rPr lang="en-US" smtClean="0"/>
-              <a:t>2/19/2023</a:t>
+              <a:t>2/20/2023</a:t>
             </a:fld>
             <a:endParaRPr lang="en-US" dirty="0"/>
           </a:p>
@@ -9963,7 +9963,15 @@
           <a:p>
             <a:r>
               <a:rPr lang="en-US" dirty="0"/>
-              <a:t>Sequence loop: loss is summed up for each non-pad token in the captions by dividing the criterion function by the mask → loss dimension: (BATCH)</a:t>
+              <a:t>Sequence loop: loss is summed up for each non-pad token in the captions </a:t>
+            </a:r>
+            <a:r>
+              <a:rPr lang="en-US"/>
+              <a:t>by multiplying the </a:t>
+            </a:r>
+            <a:r>
+              <a:rPr lang="en-US" dirty="0"/>
+              <a:t>criterion function by the mask → loss dimension: (BATCH)</a:t>
             </a:r>
           </a:p>
           <a:p>
@@ -14912,6 +14920,15 @@
 </file>
 
 <file path=customXml/item1.xml><?xml version="1.0" encoding="utf-8"?>
+<?mso-contentType ?>
+<FormTemplates xmlns="http://schemas.microsoft.com/sharepoint/v3/contenttype/forms">
+  <Display>DocumentLibraryForm</Display>
+  <Edit>DocumentLibraryForm</Edit>
+  <New>DocumentLibraryForm</New>
+</FormTemplates>
+</file>
+
+<file path=customXml/item2.xml><?xml version="1.0" encoding="utf-8"?>
 <p:properties xmlns:p="http://schemas.microsoft.com/office/2006/metadata/properties" xmlns:xsi="http://www.w3.org/2001/XMLSchema-instance" xmlns:pc="http://schemas.microsoft.com/office/infopath/2007/PartnerControls">
   <documentManagement>
     <_ip_UnifiedCompliancePolicyUIAction xmlns="http://schemas.microsoft.com/sharepoint/v3" xsi:nil="true"/>
@@ -14928,15 +14945,6 @@
     <MediaServiceKeyPoints xmlns="71af3243-3dd4-4a8d-8c0d-dd76da1f02a5" xsi:nil="true"/>
   </documentManagement>
 </p:properties>
-</file>
-
-<file path=customXml/item2.xml><?xml version="1.0" encoding="utf-8"?>
-<?mso-contentType ?>
-<FormTemplates xmlns="http://schemas.microsoft.com/sharepoint/v3/contenttype/forms">
-  <Display>DocumentLibraryForm</Display>
-  <Edit>DocumentLibraryForm</Edit>
-  <New>DocumentLibraryForm</New>
-</FormTemplates>
 </file>
 
 <file path=customXml/item3.xml><?xml version="1.0" encoding="utf-8"?>
@@ -15222,6 +15230,14 @@
 </file>
 
 <file path=customXml/itemProps1.xml><?xml version="1.0" encoding="utf-8"?>
+<ds:datastoreItem xmlns:ds="http://schemas.openxmlformats.org/officeDocument/2006/customXml" ds:itemID="{E618C13B-9D83-4AF4-B64D-33362D5133F8}">
+  <ds:schemaRefs>
+    <ds:schemaRef ds:uri="http://schemas.microsoft.com/sharepoint/v3/contenttype/forms"/>
+  </ds:schemaRefs>
+</ds:datastoreItem>
+</file>
+
+<file path=customXml/itemProps2.xml><?xml version="1.0" encoding="utf-8"?>
 <ds:datastoreItem xmlns:ds="http://schemas.openxmlformats.org/officeDocument/2006/customXml" ds:itemID="{CA4F7154-AFAC-4BE7-8A74-7F4B6FC2743C}">
   <ds:schemaRefs>
     <ds:schemaRef ds:uri="http://schemas.microsoft.com/office/2006/metadata/properties"/>
@@ -15229,14 +15245,6 @@
     <ds:schemaRef ds:uri="http://schemas.microsoft.com/sharepoint/v3"/>
     <ds:schemaRef ds:uri="71af3243-3dd4-4a8d-8c0d-dd76da1f02a5"/>
     <ds:schemaRef ds:uri="230e9df3-be65-4c73-a93b-d1236ebd677e"/>
-  </ds:schemaRefs>
-</ds:datastoreItem>
-</file>
-
-<file path=customXml/itemProps2.xml><?xml version="1.0" encoding="utf-8"?>
-<ds:datastoreItem xmlns:ds="http://schemas.openxmlformats.org/officeDocument/2006/customXml" ds:itemID="{E618C13B-9D83-4AF4-B64D-33362D5133F8}">
-  <ds:schemaRefs>
-    <ds:schemaRef ds:uri="http://schemas.microsoft.com/sharepoint/v3/contenttype/forms"/>
   </ds:schemaRefs>
 </ds:datastoreItem>
 </file>

--- a/ImageCaption_Brisudova.pptx
+++ b/ImageCaption_Brisudova.pptx
@@ -5,7 +5,7 @@
     <p:sldMasterId id="2147483648" r:id="rId4"/>
   </p:sldMasterIdLst>
   <p:notesMasterIdLst>
-    <p:notesMasterId r:id="rId16"/>
+    <p:notesMasterId r:id="rId17"/>
   </p:notesMasterIdLst>
   <p:sldIdLst>
     <p:sldId id="256" r:id="rId5"/>
@@ -16,9 +16,10 @@
     <p:sldId id="298" r:id="rId10"/>
     <p:sldId id="304" r:id="rId11"/>
     <p:sldId id="305" r:id="rId12"/>
-    <p:sldId id="299" r:id="rId13"/>
+    <p:sldId id="306" r:id="rId13"/>
     <p:sldId id="300" r:id="rId14"/>
-    <p:sldId id="301" r:id="rId15"/>
+    <p:sldId id="299" r:id="rId15"/>
+    <p:sldId id="301" r:id="rId16"/>
   </p:sldIdLst>
   <p:sldSz cx="12192000" cy="6858000"/>
   <p:notesSz cx="6858000" cy="9144000"/>
@@ -130,8 +131,9 @@
             <p14:sldId id="298"/>
             <p14:sldId id="304"/>
             <p14:sldId id="305"/>
+            <p14:sldId id="306"/>
+            <p14:sldId id="300"/>
             <p14:sldId id="299"/>
-            <p14:sldId id="300"/>
             <p14:sldId id="301"/>
           </p14:sldIdLst>
         </p14:section>
@@ -159,7 +161,7 @@
 <file path=ppt/revisionInfo.xml><?xml version="1.0" encoding="utf-8"?>
 <p1510:revInfo xmlns:a="http://schemas.openxmlformats.org/drawingml/2006/main" xmlns:r="http://schemas.openxmlformats.org/officeDocument/2006/relationships" xmlns:p1510="http://schemas.microsoft.com/office/powerpoint/2015/10/main">
   <p1510:revLst>
-    <p1510:client id="{4B53460E-83C2-4FD2-AC90-769241754904}" v="21" dt="2023-02-20T13:15:34.772"/>
+    <p1510:client id="{4B53460E-83C2-4FD2-AC90-769241754904}" v="23" dt="2023-02-24T20:11:52.900"/>
   </p1510:revLst>
 </p1510:revInfo>
 </file>
@@ -168,8 +170,8 @@
 <pc:chgInfo xmlns:a="http://schemas.openxmlformats.org/drawingml/2006/main" xmlns:r="http://schemas.openxmlformats.org/officeDocument/2006/relationships" xmlns:ac="http://schemas.microsoft.com/office/drawing/2013/main/command" xmlns:pc="http://schemas.microsoft.com/office/powerpoint/2013/main/command">
   <pc:docChgLst>
     <pc:chgData name="Natasa Brisudova" userId="4d1d74fd4e46f723" providerId="LiveId" clId="{4B53460E-83C2-4FD2-AC90-769241754904}"/>
-    <pc:docChg chg="undo custSel addSld delSld modSld modSection">
-      <pc:chgData name="Natasa Brisudova" userId="4d1d74fd4e46f723" providerId="LiveId" clId="{4B53460E-83C2-4FD2-AC90-769241754904}" dt="2023-02-20T20:06:36.727" v="3773" actId="20577"/>
+    <pc:docChg chg="undo custSel addSld delSld modSld sldOrd modSection">
+      <pc:chgData name="Natasa Brisudova" userId="4d1d74fd4e46f723" providerId="LiveId" clId="{4B53460E-83C2-4FD2-AC90-769241754904}" dt="2023-02-24T20:12:25.020" v="5081" actId="20577"/>
       <pc:docMkLst>
         <pc:docMk/>
       </pc:docMkLst>
@@ -457,7 +459,7 @@
         </pc:picChg>
       </pc:sldChg>
       <pc:sldChg chg="addSp delSp modSp new mod">
-        <pc:chgData name="Natasa Brisudova" userId="4d1d74fd4e46f723" providerId="LiveId" clId="{4B53460E-83C2-4FD2-AC90-769241754904}" dt="2023-02-20T13:17:51.054" v="3738" actId="255"/>
+        <pc:chgData name="Natasa Brisudova" userId="4d1d74fd4e46f723" providerId="LiveId" clId="{4B53460E-83C2-4FD2-AC90-769241754904}" dt="2023-02-24T20:11:48.328" v="5057" actId="20577"/>
         <pc:sldMkLst>
           <pc:docMk/>
           <pc:sldMk cId="397625461" sldId="299"/>
@@ -503,7 +505,7 @@
           </ac:spMkLst>
         </pc:spChg>
         <pc:spChg chg="mod">
-          <ac:chgData name="Natasa Brisudova" userId="4d1d74fd4e46f723" providerId="LiveId" clId="{4B53460E-83C2-4FD2-AC90-769241754904}" dt="2023-02-19T15:26:56.311" v="3329" actId="404"/>
+          <ac:chgData name="Natasa Brisudova" userId="4d1d74fd4e46f723" providerId="LiveId" clId="{4B53460E-83C2-4FD2-AC90-769241754904}" dt="2023-02-24T20:06:44.083" v="4572" actId="20577"/>
           <ac:spMkLst>
             <pc:docMk/>
             <pc:sldMk cId="397625461" sldId="299"/>
@@ -543,7 +545,7 @@
           </ac:spMkLst>
         </pc:spChg>
         <pc:spChg chg="mod">
-          <ac:chgData name="Natasa Brisudova" userId="4d1d74fd4e46f723" providerId="LiveId" clId="{4B53460E-83C2-4FD2-AC90-769241754904}" dt="2023-02-20T13:17:51.054" v="3738" actId="255"/>
+          <ac:chgData name="Natasa Brisudova" userId="4d1d74fd4e46f723" providerId="LiveId" clId="{4B53460E-83C2-4FD2-AC90-769241754904}" dt="2023-02-24T20:11:48.328" v="5057" actId="20577"/>
           <ac:spMkLst>
             <pc:docMk/>
             <pc:sldMk cId="397625461" sldId="299"/>
@@ -598,8 +600,8 @@
             <ac:spMk id="22" creationId="{8E9D6812-488A-908A-5CA0-C8A06EE31D9C}"/>
           </ac:spMkLst>
         </pc:spChg>
-        <pc:picChg chg="add mod">
-          <ac:chgData name="Natasa Brisudova" userId="4d1d74fd4e46f723" providerId="LiveId" clId="{4B53460E-83C2-4FD2-AC90-769241754904}" dt="2023-02-19T14:05:31.185" v="2161" actId="1076"/>
+        <pc:picChg chg="add del mod">
+          <ac:chgData name="Natasa Brisudova" userId="4d1d74fd4e46f723" providerId="LiveId" clId="{4B53460E-83C2-4FD2-AC90-769241754904}" dt="2023-02-24T20:06:46.536" v="4573" actId="478"/>
           <ac:picMkLst>
             <pc:docMk/>
             <pc:sldMk cId="397625461" sldId="299"/>
@@ -607,8 +609,8 @@
           </ac:picMkLst>
         </pc:picChg>
       </pc:sldChg>
-      <pc:sldChg chg="addSp delSp modSp add mod">
-        <pc:chgData name="Natasa Brisudova" userId="4d1d74fd4e46f723" providerId="LiveId" clId="{4B53460E-83C2-4FD2-AC90-769241754904}" dt="2023-02-20T20:06:36.727" v="3773" actId="20577"/>
+      <pc:sldChg chg="addSp delSp modSp add mod ord">
+        <pc:chgData name="Natasa Brisudova" userId="4d1d74fd4e46f723" providerId="LiveId" clId="{4B53460E-83C2-4FD2-AC90-769241754904}" dt="2023-02-24T20:12:25.020" v="5081" actId="20577"/>
         <pc:sldMkLst>
           <pc:docMk/>
           <pc:sldMk cId="309960439" sldId="300"/>
@@ -678,7 +680,7 @@
           </ac:spMkLst>
         </pc:spChg>
         <pc:spChg chg="mod">
-          <ac:chgData name="Natasa Brisudova" userId="4d1d74fd4e46f723" providerId="LiveId" clId="{4B53460E-83C2-4FD2-AC90-769241754904}" dt="2023-02-20T20:06:36.727" v="3773" actId="20577"/>
+          <ac:chgData name="Natasa Brisudova" userId="4d1d74fd4e46f723" providerId="LiveId" clId="{4B53460E-83C2-4FD2-AC90-769241754904}" dt="2023-02-24T20:10:18.828" v="4961" actId="20577"/>
           <ac:spMkLst>
             <pc:docMk/>
             <pc:sldMk cId="309960439" sldId="300"/>
@@ -694,7 +696,7 @@
           </ac:spMkLst>
         </pc:spChg>
         <pc:spChg chg="mod">
-          <ac:chgData name="Natasa Brisudova" userId="4d1d74fd4e46f723" providerId="LiveId" clId="{4B53460E-83C2-4FD2-AC90-769241754904}" dt="2023-02-20T13:18:03.389" v="3750" actId="255"/>
+          <ac:chgData name="Natasa Brisudova" userId="4d1d74fd4e46f723" providerId="LiveId" clId="{4B53460E-83C2-4FD2-AC90-769241754904}" dt="2023-02-24T20:12:25.020" v="5081" actId="20577"/>
           <ac:spMkLst>
             <pc:docMk/>
             <pc:sldMk cId="309960439" sldId="300"/>
@@ -1137,9 +1139,236 @@
           </ac:cxnSpMkLst>
         </pc:cxnChg>
       </pc:sldChg>
+      <pc:sldChg chg="addSp delSp modSp add mod ord">
+        <pc:chgData name="Natasa Brisudova" userId="4d1d74fd4e46f723" providerId="LiveId" clId="{4B53460E-83C2-4FD2-AC90-769241754904}" dt="2023-02-24T20:11:09.387" v="5016" actId="20577"/>
+        <pc:sldMkLst>
+          <pc:docMk/>
+          <pc:sldMk cId="3899341357" sldId="306"/>
+        </pc:sldMkLst>
+        <pc:spChg chg="mod">
+          <ac:chgData name="Natasa Brisudova" userId="4d1d74fd4e46f723" providerId="LiveId" clId="{4B53460E-83C2-4FD2-AC90-769241754904}" dt="2023-02-24T20:07:14.665" v="4617" actId="20577"/>
+          <ac:spMkLst>
+            <pc:docMk/>
+            <pc:sldMk cId="3899341357" sldId="306"/>
+            <ac:spMk id="2" creationId="{439EC431-A546-9F41-0FF8-AABED5A90FFA}"/>
+          </ac:spMkLst>
+        </pc:spChg>
+        <pc:spChg chg="mod">
+          <ac:chgData name="Natasa Brisudova" userId="4d1d74fd4e46f723" providerId="LiveId" clId="{4B53460E-83C2-4FD2-AC90-769241754904}" dt="2023-02-24T20:07:03.923" v="4600" actId="20577"/>
+          <ac:spMkLst>
+            <pc:docMk/>
+            <pc:sldMk cId="3899341357" sldId="306"/>
+            <ac:spMk id="3" creationId="{2766CEED-86AB-4FBD-FF42-289C72F3B81A}"/>
+          </ac:spMkLst>
+        </pc:spChg>
+        <pc:spChg chg="mod">
+          <ac:chgData name="Natasa Brisudova" userId="4d1d74fd4e46f723" providerId="LiveId" clId="{4B53460E-83C2-4FD2-AC90-769241754904}" dt="2023-02-24T20:11:09.387" v="5016" actId="20577"/>
+          <ac:spMkLst>
+            <pc:docMk/>
+            <pc:sldMk cId="3899341357" sldId="306"/>
+            <ac:spMk id="7" creationId="{21986EFD-A994-459B-BE23-E8BABFA5A8E7}"/>
+          </ac:spMkLst>
+        </pc:spChg>
+        <pc:spChg chg="mod">
+          <ac:chgData name="Natasa Brisudova" userId="4d1d74fd4e46f723" providerId="LiveId" clId="{4B53460E-83C2-4FD2-AC90-769241754904}" dt="2023-02-24T17:53:30.174" v="3825" actId="20577"/>
+          <ac:spMkLst>
+            <pc:docMk/>
+            <pc:sldMk cId="3899341357" sldId="306"/>
+            <ac:spMk id="12" creationId="{2F5FFD48-F4A8-6268-0384-D782895E73D6}"/>
+          </ac:spMkLst>
+        </pc:spChg>
+        <pc:picChg chg="add mod">
+          <ac:chgData name="Natasa Brisudova" userId="4d1d74fd4e46f723" providerId="LiveId" clId="{4B53460E-83C2-4FD2-AC90-769241754904}" dt="2023-02-24T17:57:32.280" v="4047" actId="14100"/>
+          <ac:picMkLst>
+            <pc:docMk/>
+            <pc:sldMk cId="3899341357" sldId="306"/>
+            <ac:picMk id="5" creationId="{14319DE5-013F-090B-14A5-D91A0E9F655F}"/>
+          </ac:picMkLst>
+        </pc:picChg>
+        <pc:picChg chg="del">
+          <ac:chgData name="Natasa Brisudova" userId="4d1d74fd4e46f723" providerId="LiveId" clId="{4B53460E-83C2-4FD2-AC90-769241754904}" dt="2023-02-24T17:54:11.247" v="3826" actId="478"/>
+          <ac:picMkLst>
+            <pc:docMk/>
+            <pc:sldMk cId="3899341357" sldId="306"/>
+            <ac:picMk id="24" creationId="{784D89A7-1F24-B055-5041-929CFE28716A}"/>
+          </ac:picMkLst>
+        </pc:picChg>
+        <pc:inkChg chg="add del">
+          <ac:chgData name="Natasa Brisudova" userId="4d1d74fd4e46f723" providerId="LiveId" clId="{4B53460E-83C2-4FD2-AC90-769241754904}" dt="2023-02-24T18:02:43.862" v="4240" actId="9405"/>
+          <ac:inkMkLst>
+            <pc:docMk/>
+            <pc:sldMk cId="3899341357" sldId="306"/>
+            <ac:inkMk id="4" creationId="{21D8A8F4-3D00-71E5-641E-3533026778C1}"/>
+          </ac:inkMkLst>
+        </pc:inkChg>
+        <pc:inkChg chg="add del">
+          <ac:chgData name="Natasa Brisudova" userId="4d1d74fd4e46f723" providerId="LiveId" clId="{4B53460E-83C2-4FD2-AC90-769241754904}" dt="2023-02-24T18:02:43.501" v="4239" actId="9405"/>
+          <ac:inkMkLst>
+            <pc:docMk/>
+            <pc:sldMk cId="3899341357" sldId="306"/>
+            <ac:inkMk id="6" creationId="{772327D6-80CE-53F1-FB8A-8E1DE1B80A3C}"/>
+          </ac:inkMkLst>
+        </pc:inkChg>
+        <pc:inkChg chg="add del">
+          <ac:chgData name="Natasa Brisudova" userId="4d1d74fd4e46f723" providerId="LiveId" clId="{4B53460E-83C2-4FD2-AC90-769241754904}" dt="2023-02-24T18:02:49.528" v="4242" actId="9405"/>
+          <ac:inkMkLst>
+            <pc:docMk/>
+            <pc:sldMk cId="3899341357" sldId="306"/>
+            <ac:inkMk id="8" creationId="{B4D9B55F-8228-931C-3DC6-1609F97651AB}"/>
+          </ac:inkMkLst>
+        </pc:inkChg>
+        <pc:inkChg chg="add">
+          <ac:chgData name="Natasa Brisudova" userId="4d1d74fd4e46f723" providerId="LiveId" clId="{4B53460E-83C2-4FD2-AC90-769241754904}" dt="2023-02-24T18:02:54.784" v="4243" actId="9405"/>
+          <ac:inkMkLst>
+            <pc:docMk/>
+            <pc:sldMk cId="3899341357" sldId="306"/>
+            <ac:inkMk id="9" creationId="{B04D9B56-201E-BFA9-C7D3-7E148CA0A338}"/>
+          </ac:inkMkLst>
+        </pc:inkChg>
+        <pc:inkChg chg="add del">
+          <ac:chgData name="Natasa Brisudova" userId="4d1d74fd4e46f723" providerId="LiveId" clId="{4B53460E-83C2-4FD2-AC90-769241754904}" dt="2023-02-24T20:09:20.783" v="4923" actId="478"/>
+          <ac:inkMkLst>
+            <pc:docMk/>
+            <pc:sldMk cId="3899341357" sldId="306"/>
+            <ac:inkMk id="10" creationId="{8E8ABEAE-FAF6-92FA-4619-191A043BEBCF}"/>
+          </ac:inkMkLst>
+        </pc:inkChg>
+        <pc:inkChg chg="add">
+          <ac:chgData name="Natasa Brisudova" userId="4d1d74fd4e46f723" providerId="LiveId" clId="{4B53460E-83C2-4FD2-AC90-769241754904}" dt="2023-02-24T18:03:15.123" v="4245" actId="9405"/>
+          <ac:inkMkLst>
+            <pc:docMk/>
+            <pc:sldMk cId="3899341357" sldId="306"/>
+            <ac:inkMk id="11" creationId="{272E5FFB-0CA2-4F73-38DA-39E27D6C8DB1}"/>
+          </ac:inkMkLst>
+        </pc:inkChg>
+        <pc:inkChg chg="add del">
+          <ac:chgData name="Natasa Brisudova" userId="4d1d74fd4e46f723" providerId="LiveId" clId="{4B53460E-83C2-4FD2-AC90-769241754904}" dt="2023-02-24T20:09:19.322" v="4922" actId="478"/>
+          <ac:inkMkLst>
+            <pc:docMk/>
+            <pc:sldMk cId="3899341357" sldId="306"/>
+            <ac:inkMk id="14" creationId="{52DB6E6F-53A0-8EF1-F7EE-5F04A0E4D2A0}"/>
+          </ac:inkMkLst>
+        </pc:inkChg>
+        <pc:inkChg chg="add">
+          <ac:chgData name="Natasa Brisudova" userId="4d1d74fd4e46f723" providerId="LiveId" clId="{4B53460E-83C2-4FD2-AC90-769241754904}" dt="2023-02-24T18:03:40.088" v="4247" actId="9405"/>
+          <ac:inkMkLst>
+            <pc:docMk/>
+            <pc:sldMk cId="3899341357" sldId="306"/>
+            <ac:inkMk id="15" creationId="{2A267E1E-F8A7-C270-F50E-67FAAFF73C90}"/>
+          </ac:inkMkLst>
+        </pc:inkChg>
+        <pc:inkChg chg="add del">
+          <ac:chgData name="Natasa Brisudova" userId="4d1d74fd4e46f723" providerId="LiveId" clId="{4B53460E-83C2-4FD2-AC90-769241754904}" dt="2023-02-24T20:09:21.940" v="4924" actId="478"/>
+          <ac:inkMkLst>
+            <pc:docMk/>
+            <pc:sldMk cId="3899341357" sldId="306"/>
+            <ac:inkMk id="16" creationId="{931E50E9-5F0E-614F-CAAE-3CD9D92E1F9B}"/>
+          </ac:inkMkLst>
+        </pc:inkChg>
+        <pc:inkChg chg="add del">
+          <ac:chgData name="Natasa Brisudova" userId="4d1d74fd4e46f723" providerId="LiveId" clId="{4B53460E-83C2-4FD2-AC90-769241754904}" dt="2023-02-24T18:04:45.257" v="4250" actId="9405"/>
+          <ac:inkMkLst>
+            <pc:docMk/>
+            <pc:sldMk cId="3899341357" sldId="306"/>
+            <ac:inkMk id="17" creationId="{FAA4C94D-1999-B17D-76DC-30D143007E00}"/>
+          </ac:inkMkLst>
+        </pc:inkChg>
+        <pc:inkChg chg="add del">
+          <ac:chgData name="Natasa Brisudova" userId="4d1d74fd4e46f723" providerId="LiveId" clId="{4B53460E-83C2-4FD2-AC90-769241754904}" dt="2023-02-24T18:04:52.146" v="4252" actId="9405"/>
+          <ac:inkMkLst>
+            <pc:docMk/>
+            <pc:sldMk cId="3899341357" sldId="306"/>
+            <ac:inkMk id="18" creationId="{BB924F4F-8A96-9040-3E57-5C459183DBD0}"/>
+          </ac:inkMkLst>
+        </pc:inkChg>
+      </pc:sldChg>
     </pc:docChg>
   </pc:docChgLst>
 </pc:chgInfo>
+</file>
+
+<file path=ppt/ink/ink1.xml><?xml version="1.0" encoding="utf-8"?>
+<inkml:ink xmlns:inkml="http://www.w3.org/2003/InkML">
+  <inkml:definitions>
+    <inkml:context xml:id="ctx0">
+      <inkml:inkSource xml:id="inkSrc0">
+        <inkml:traceFormat>
+          <inkml:channel name="X" type="integer" min="-2.14748E9" max="2.14748E9" units="cm"/>
+          <inkml:channel name="Y" type="integer" min="-2.14748E9" max="2.14748E9" units="cm"/>
+          <inkml:channel name="F" type="integer" max="32767" units="dev"/>
+        </inkml:traceFormat>
+        <inkml:channelProperties>
+          <inkml:channelProperty channel="X" name="resolution" value="1000" units="1/cm"/>
+          <inkml:channelProperty channel="Y" name="resolution" value="1000" units="1/cm"/>
+          <inkml:channelProperty channel="F" name="resolution" value="0" units="1/dev"/>
+        </inkml:channelProperties>
+      </inkml:inkSource>
+      <inkml:timestamp xml:id="ts0" timeString="2023-02-24T18:02:54.784"/>
+    </inkml:context>
+    <inkml:brush xml:id="br0">
+      <inkml:brushProperty name="width" value="0.05" units="cm"/>
+      <inkml:brushProperty name="height" value="0.05" units="cm"/>
+      <inkml:brushProperty name="color" value="#E71224"/>
+    </inkml:brush>
+  </inkml:definitions>
+  <inkml:trace contextRef="#ctx0" brushRef="#br0">0 194 24575,'727'0'0,"-725"0"0,0 0 0,0 0 0,0 0 0,0 0 0,0-1 0,0 1 0,0 0 0,0-1 0,0 0 0,0 1 0,0-1 0,0 0 0,-1 0 0,1 0 0,0 0 0,-1 0 0,1 0 0,0 0 0,-1-1 0,1 1 0,1-3 0,-2 2 0,-1 1 0,1-1 0,-1 1 0,0-1 0,0 0 0,1 1 0,-1-1 0,0 0 0,0 1 0,0-1 0,-1 0 0,1 1 0,0-1 0,-1 0 0,1 1 0,-1-1 0,1 1 0,-1-1 0,0 0 0,1 1 0,-1 0 0,0-1 0,0 1 0,0 0 0,0-1 0,-3-1 0,-52-62 0,56 64 0,-33-40 0,31 39 0,0 0 0,0 0 0,0 0 0,0 0 0,0 0 0,-1 1 0,1-1 0,0 1 0,-1-1 0,0 1 0,1 0 0,-1 0 0,0 0 0,1 0 0,-4 0 0,5 1 0,1 0 0,0 0 0,0 0 0,0 0 0,0 0 0,0 0 0,0 0 0,0 0 0,-1 0 0,1 0 0,0 0 0,0 0 0,0 0 0,0 0 0,0 0 0,0 0 0,0 0 0,-1 0 0,1 0 0,0 0 0,0 0 0,0 0 0,0 1 0,0-1 0,0 0 0,0 0 0,0 0 0,0 0 0,0 0 0,0 0 0,0 0 0,0 0 0,-1 1 0,1-1 0,0 0 0,0 0 0,0 0 0,0 0 0,0 0 0,0 0 0,0 1 0,0-1 0,0 0 0,0 0 0,0 0 0,0 0 0,1 0 0,-1 0 0,0 0 0,0 1 0,0-1 0,0 0 0,0 0 0,0 0 0,0 0 0,7 10 0,10 7 0,-4-5 0,6 5 0,0 0 0,40 25 0,-46-33 0,0 0 0,0 1 0,-1 1 0,18 20 0,-29-31 0,-1 0 0,0 0 0,1 1 0,-1-1 0,0 0 0,0 1 0,1-1 0,-1 0 0,0 1 0,0-1 0,1 1 0,-1-1 0,0 0 0,0 1 0,0-1 0,0 1 0,0-1 0,1 1 0,-1-1 0,0 0 0,0 1 0,0-1 0,0 1 0,0-1 0,-1 1 0,1-1 0,0 1 0,0-1 0,0 0 0,0 1 0,-14 6 0,-28-5 0,33-1 0,3-1 0,0 1 0,0-1 0,1 2 0,-1-1 0,0 1 0,1-1 0,-1 1 0,1 1 0,0-1 0,0 1 0,-6 4 0,-1 3 0,1 0 0,1 0 0,-12 14 0,18-20 0,-17 20-682,-46 39-1</inkml:trace>
+</inkml:ink>
+</file>
+
+<file path=ppt/ink/ink2.xml><?xml version="1.0" encoding="utf-8"?>
+<inkml:ink xmlns:inkml="http://www.w3.org/2003/InkML">
+  <inkml:definitions>
+    <inkml:context xml:id="ctx0">
+      <inkml:inkSource xml:id="inkSrc0">
+        <inkml:traceFormat>
+          <inkml:channel name="X" type="integer" min="-2.14748E9" max="2.14748E9" units="cm"/>
+          <inkml:channel name="Y" type="integer" min="-2.14748E9" max="2.14748E9" units="cm"/>
+          <inkml:channel name="F" type="integer" max="32767" units="dev"/>
+        </inkml:traceFormat>
+        <inkml:channelProperties>
+          <inkml:channelProperty channel="X" name="resolution" value="1000" units="1/cm"/>
+          <inkml:channelProperty channel="Y" name="resolution" value="1000" units="1/cm"/>
+          <inkml:channelProperty channel="F" name="resolution" value="0" units="1/dev"/>
+        </inkml:channelProperties>
+      </inkml:inkSource>
+      <inkml:timestamp xml:id="ts0" timeString="2023-02-24T18:03:15.123"/>
+    </inkml:context>
+    <inkml:brush xml:id="br0">
+      <inkml:brushProperty name="width" value="0.05" units="cm"/>
+      <inkml:brushProperty name="height" value="0.05" units="cm"/>
+      <inkml:brushProperty name="color" value="#FFC114"/>
+    </inkml:brush>
+  </inkml:definitions>
+  <inkml:trace contextRef="#ctx0" brushRef="#br0">1 146 24575,'644'0'0,"-650"0"0,-9 0 0,1 0 0,-1-1 0,-15-4 0,26 5 0,0-1 0,0-1 0,0 1 0,0-1 0,0 1 0,0-1 0,0 0 0,0-1 0,1 1 0,-1 0 0,1-1 0,0 0 0,0 0 0,0 0 0,-3-5 0,1 3 0,0-1 0,0 1 0,0 0 0,-8-6 0,8 8 0,1 0 0,0 0 0,0-1 0,0 0 0,1 0 0,-1 0 0,1 0 0,0 0 0,-3-7 0,-3-3 0,2 2 0,14 18 0,105 98 0,-103-98 0,-1 1 0,2-1 0,-1 0 0,0-1 0,18 7 0,-6-2 0,-16-8 0,0 1 0,0 0 0,0 0 0,0 1 0,0 0 0,5 5 0,-9-8 0,0 0 0,0-1 0,-1 1 0,1 0 0,-1 0 0,1 0 0,-1 0 0,1 0 0,-1 0 0,1 0 0,-1 0 0,0 0 0,1 0 0,-1 0 0,0 0 0,0 0 0,0 0 0,0 0 0,0 0 0,0 0 0,0 0 0,0 0 0,-1 0 0,1 0 0,0 0 0,0 0 0,-1 0 0,1 0 0,-1 0 0,1 0 0,-1 0 0,1 0 0,-1 0 0,0 0 0,1-1 0,-1 1 0,0 0 0,0 0 0,0-1 0,0 1 0,1-1 0,-1 1 0,-2 0 0,-4 4 0,-1-1 0,1-1 0,-1 1 0,0-1 0,-8 2 0,8-3 0,1 0 0,0 0 0,0 1 0,1 0 0,-1 1 0,0 0 0,-9 7 0,-19 20-1365,24-24-5461</inkml:trace>
+</inkml:ink>
+</file>
+
+<file path=ppt/ink/ink3.xml><?xml version="1.0" encoding="utf-8"?>
+<inkml:ink xmlns:inkml="http://www.w3.org/2003/InkML">
+  <inkml:definitions>
+    <inkml:context xml:id="ctx0">
+      <inkml:inkSource xml:id="inkSrc0">
+        <inkml:traceFormat>
+          <inkml:channel name="X" type="integer" min="-2.14748E9" max="2.14748E9" units="cm"/>
+          <inkml:channel name="Y" type="integer" min="-2.14748E9" max="2.14748E9" units="cm"/>
+          <inkml:channel name="F" type="integer" max="32767" units="dev"/>
+        </inkml:traceFormat>
+        <inkml:channelProperties>
+          <inkml:channelProperty channel="X" name="resolution" value="1000" units="1/cm"/>
+          <inkml:channelProperty channel="Y" name="resolution" value="1000" units="1/cm"/>
+          <inkml:channelProperty channel="F" name="resolution" value="0" units="1/dev"/>
+        </inkml:channelProperties>
+      </inkml:inkSource>
+      <inkml:timestamp xml:id="ts0" timeString="2023-02-24T18:03:40.088"/>
+    </inkml:context>
+    <inkml:brush xml:id="br0">
+      <inkml:brushProperty name="width" value="0.05" units="cm"/>
+      <inkml:brushProperty name="height" value="0.05" units="cm"/>
+      <inkml:brushProperty name="color" value="#33CCFF"/>
+    </inkml:brush>
+  </inkml:definitions>
+  <inkml:trace contextRef="#ctx0" brushRef="#br0">0 228 24575,'660'0'0,"-659"1"0,0-1 0,-1 0 0,1 0 0,0 0 0,0 0 0,0 0 0,0 0 0,-1-1 0,1 1 0,0 0 0,0 0 0,0-1 0,-1 1 0,1 0 0,0-1 0,-1 1 0,1-1 0,0 1 0,-1-1 0,1 1 0,1-2 0,-2 2 0,0-1 0,0 0 0,0 0 0,1 1 0,-1-1 0,0 0 0,0 1 0,0-1 0,0 0 0,0 0 0,-1 1 0,1-1 0,0 0 0,0 0 0,0 1 0,-1-1 0,1 0 0,0 1 0,-1-2 0,-4-5 0,0-1 0,0 1 0,-10-9 0,3 2 0,-7-10 0,13 19 0,1-1 0,1 0 0,-9-13 0,-17-34 0,27 48 0,0 1 0,-1 0 0,1 0 0,-1 0 0,0 0 0,0 1 0,0-1 0,0 1 0,-7-4 0,27 16 0,-1 1 0,-1 1 0,19 16 0,-16-12 0,1-1 0,33 20 0,-42-29 0,0 0 0,0 1 0,-1 0 0,1 0 0,11 12 0,-19-16 0,1-1 0,-1 1 0,1-1 0,-1 1 0,0-1 0,0 1 0,0 0 0,0-1 0,0 1 0,0 0 0,-1 0 0,1 0 0,-1 0 0,1-1 0,-1 1 0,0 0 0,1 0 0,-1 0 0,0 0 0,0 0 0,0 0 0,-1 0 0,1 0 0,0 0 0,-1 0 0,1 0 0,-1 0 0,0 0 0,0-1 0,0 1 0,0 0 0,0 0 0,0-1 0,0 1 0,0-1 0,0 1 0,-2 1 0,-13 11 0,0-1 0,-1 0 0,-1-1 0,0-1 0,0-1 0,-27 12 0,1-1 0,34-15 58,1 0 0,0 1 0,1-1-1,-11 12 1,-14 11-1712,19-19-5172</inkml:trace>
+</inkml:ink>
 </file>
 
 <file path=ppt/notesMasters/notesMaster1.xml><?xml version="1.0" encoding="utf-8"?>
@@ -1224,7 +1453,7 @@
           <a:p>
             <a:fld id="{C737939C-241D-4FDC-8DE8-4EE3F462EE22}" type="datetimeFigureOut">
               <a:rPr lang="en-US" smtClean="0"/>
-              <a:t>2/20/2023</a:t>
+              <a:t>2/24/2023</a:t>
             </a:fld>
             <a:endParaRPr lang="en-US" dirty="0"/>
           </a:p>
@@ -9963,15 +10192,7 @@
           <a:p>
             <a:r>
               <a:rPr lang="en-US" dirty="0"/>
-              <a:t>Sequence loop: loss is summed up for each non-pad token in the captions </a:t>
-            </a:r>
-            <a:r>
-              <a:rPr lang="en-US"/>
-              <a:t>by multiplying the </a:t>
-            </a:r>
-            <a:r>
-              <a:rPr lang="en-US" dirty="0"/>
-              <a:t>criterion function by the mask → loss dimension: (BATCH)</a:t>
+              <a:t>Sequence loop: loss is summed up for each non-pad token in the captions by multiplying the criterion function by the mask → loss dimension: (BATCH)</a:t>
             </a:r>
           </a:p>
           <a:p>
@@ -10285,7 +10506,7 @@
           <a:p>
             <a:r>
               <a:rPr lang="en-US" sz="1600" dirty="0"/>
-              <a:t>main.py</a:t>
+              <a:t>main.py and main_updated.py</a:t>
             </a:r>
           </a:p>
         </p:txBody>
@@ -10385,6 +10606,224 @@
           <p:cNvPr id="2" name="Title 1">
             <a:extLst>
               <a:ext uri="{FF2B5EF4-FFF2-40B4-BE49-F238E27FC236}">
+                <a16:creationId xmlns:a16="http://schemas.microsoft.com/office/drawing/2014/main" id="{439EC431-A546-9F41-0FF8-AABED5A90FFA}"/>
+              </a:ext>
+            </a:extLst>
+          </p:cNvPr>
+          <p:cNvSpPr>
+            <a:spLocks noGrp="1"/>
+          </p:cNvSpPr>
+          <p:nvPr>
+            <p:ph type="title"/>
+          </p:nvPr>
+        </p:nvSpPr>
+        <p:spPr/>
+        <p:txBody>
+          <a:bodyPr/>
+          <a:lstStyle/>
+          <a:p>
+            <a:r>
+              <a:rPr lang="en-US" dirty="0"/>
+              <a:t>Word generation (LSTM output)</a:t>
+            </a:r>
+          </a:p>
+        </p:txBody>
+      </p:sp>
+      <p:sp>
+        <p:nvSpPr>
+          <p:cNvPr id="3" name="Content Placeholder 2">
+            <a:extLst>
+              <a:ext uri="{FF2B5EF4-FFF2-40B4-BE49-F238E27FC236}">
+                <a16:creationId xmlns:a16="http://schemas.microsoft.com/office/drawing/2014/main" id="{2766CEED-86AB-4FBD-FF42-289C72F3B81A}"/>
+              </a:ext>
+            </a:extLst>
+          </p:cNvPr>
+          <p:cNvSpPr>
+            <a:spLocks noGrp="1"/>
+          </p:cNvSpPr>
+          <p:nvPr>
+            <p:ph idx="1"/>
+          </p:nvPr>
+        </p:nvSpPr>
+        <p:spPr/>
+        <p:txBody>
+          <a:bodyPr/>
+          <a:lstStyle/>
+          <a:p>
+            <a:r>
+              <a:rPr lang="en-US" dirty="0"/>
+              <a:t>Word-by-word generation</a:t>
+            </a:r>
+          </a:p>
+        </p:txBody>
+      </p:sp>
+      <p:sp>
+        <p:nvSpPr>
+          <p:cNvPr id="7" name="Content Placeholder 6">
+            <a:extLst>
+              <a:ext uri="{FF2B5EF4-FFF2-40B4-BE49-F238E27FC236}">
+                <a16:creationId xmlns:a16="http://schemas.microsoft.com/office/drawing/2014/main" id="{21986EFD-A994-459B-BE23-E8BABFA5A8E7}"/>
+              </a:ext>
+            </a:extLst>
+          </p:cNvPr>
+          <p:cNvSpPr>
+            <a:spLocks noGrp="1"/>
+          </p:cNvSpPr>
+          <p:nvPr>
+            <p:ph idx="13"/>
+          </p:nvPr>
+        </p:nvSpPr>
+        <p:spPr>
+          <a:xfrm>
+            <a:off x="2024740" y="3069773"/>
+            <a:ext cx="9329058" cy="3069771"/>
+          </a:xfrm>
+        </p:spPr>
+        <p:txBody>
+          <a:bodyPr>
+            <a:normAutofit/>
+          </a:bodyPr>
+          <a:lstStyle/>
+          <a:p>
+            <a:r>
+              <a:rPr lang="en-US" dirty="0"/>
+              <a:t>More traditional and commonly used</a:t>
+            </a:r>
+          </a:p>
+          <a:p>
+            <a:r>
+              <a:rPr lang="en-US" dirty="0"/>
+              <a:t>LSTM generates each word of the caption one at a time, based on the previous words (index), image features and hidden and cell states</a:t>
+            </a:r>
+          </a:p>
+          <a:p>
+            <a:r>
+              <a:rPr lang="en-US" dirty="0"/>
+              <a:t>LSTM input starts with SOS token </a:t>
+            </a:r>
+          </a:p>
+          <a:p>
+            <a:r>
+              <a:rPr lang="en-US" dirty="0"/>
+              <a:t>Next predicted word ID is then appended to the LSTM input</a:t>
+            </a:r>
+          </a:p>
+          <a:p>
+            <a:r>
+              <a:rPr lang="en-US" dirty="0"/>
+              <a:t>Generation stops once it predicts EOS token or reaches MAX_LENGTH</a:t>
+            </a:r>
+          </a:p>
+          <a:p>
+            <a:r>
+              <a:rPr lang="en-US" dirty="0"/>
+              <a:t>it can potentially result in more diverse and interesting captions</a:t>
+            </a:r>
+          </a:p>
+          <a:p>
+            <a:r>
+              <a:rPr lang="en-US" dirty="0"/>
+              <a:t>However, this approach can be slower and more computationally expensive, especially if the length of the captions is long</a:t>
+            </a:r>
+          </a:p>
+          <a:p>
+            <a:endParaRPr lang="en-US" dirty="0"/>
+          </a:p>
+        </p:txBody>
+      </p:sp>
+      <p:sp>
+        <p:nvSpPr>
+          <p:cNvPr id="12" name="Footer Placeholder 11">
+            <a:extLst>
+              <a:ext uri="{FF2B5EF4-FFF2-40B4-BE49-F238E27FC236}">
+                <a16:creationId xmlns:a16="http://schemas.microsoft.com/office/drawing/2014/main" id="{2F5FFD48-F4A8-6268-0384-D782895E73D6}"/>
+              </a:ext>
+            </a:extLst>
+          </p:cNvPr>
+          <p:cNvSpPr>
+            <a:spLocks noGrp="1"/>
+          </p:cNvSpPr>
+          <p:nvPr>
+            <p:ph type="ftr" sz="quarter" idx="18"/>
+          </p:nvPr>
+        </p:nvSpPr>
+        <p:spPr/>
+        <p:txBody>
+          <a:bodyPr/>
+          <a:lstStyle/>
+          <a:p>
+            <a:r>
+              <a:rPr lang="en-US" sz="1600" dirty="0"/>
+              <a:t>generate_caption() in test_show.py</a:t>
+            </a:r>
+          </a:p>
+        </p:txBody>
+      </p:sp>
+      <p:sp>
+        <p:nvSpPr>
+          <p:cNvPr id="13" name="Slide Number Placeholder 12">
+            <a:extLst>
+              <a:ext uri="{FF2B5EF4-FFF2-40B4-BE49-F238E27FC236}">
+                <a16:creationId xmlns:a16="http://schemas.microsoft.com/office/drawing/2014/main" id="{D4424274-2393-210D-0621-D9F96D221156}"/>
+              </a:ext>
+            </a:extLst>
+          </p:cNvPr>
+          <p:cNvSpPr>
+            <a:spLocks noGrp="1"/>
+          </p:cNvSpPr>
+          <p:nvPr>
+            <p:ph type="sldNum" sz="quarter" idx="19"/>
+          </p:nvPr>
+        </p:nvSpPr>
+        <p:spPr/>
+        <p:txBody>
+          <a:bodyPr/>
+          <a:lstStyle/>
+          <a:p>
+            <a:fld id="{B5CEABB6-07DC-46E8-9B57-56EC44A396E5}" type="slidenum">
+              <a:rPr lang="en-US" smtClean="0"/>
+              <a:pPr/>
+              <a:t>11</a:t>
+            </a:fld>
+            <a:endParaRPr lang="en-US" dirty="0"/>
+          </a:p>
+        </p:txBody>
+      </p:sp>
+    </p:spTree>
+    <p:extLst>
+      <p:ext uri="{BB962C8B-B14F-4D97-AF65-F5344CB8AC3E}">
+        <p14:creationId xmlns:p14="http://schemas.microsoft.com/office/powerpoint/2010/main" val="397625461"/>
+      </p:ext>
+    </p:extLst>
+  </p:cSld>
+  <p:clrMapOvr>
+    <a:masterClrMapping/>
+  </p:clrMapOvr>
+</p:sld>
+</file>
+
+<file path=ppt/slides/slide12.xml><?xml version="1.0" encoding="utf-8"?>
+<p:sld xmlns:a="http://schemas.openxmlformats.org/drawingml/2006/main" xmlns:r="http://schemas.openxmlformats.org/officeDocument/2006/relationships" xmlns:p="http://schemas.openxmlformats.org/presentationml/2006/main">
+  <p:cSld>
+    <p:spTree>
+      <p:nvGrpSpPr>
+        <p:cNvPr id="1" name=""/>
+        <p:cNvGrpSpPr/>
+        <p:nvPr/>
+      </p:nvGrpSpPr>
+      <p:grpSpPr>
+        <a:xfrm>
+          <a:off x="0" y="0"/>
+          <a:ext cx="0" cy="0"/>
+          <a:chOff x="0" y="0"/>
+          <a:chExt cx="0" cy="0"/>
+        </a:xfrm>
+      </p:grpSpPr>
+      <p:sp>
+        <p:nvSpPr>
+          <p:cNvPr id="2" name="Title 1">
+            <a:extLst>
+              <a:ext uri="{FF2B5EF4-FFF2-40B4-BE49-F238E27FC236}">
                 <a16:creationId xmlns:a16="http://schemas.microsoft.com/office/drawing/2014/main" id="{A51E1B90-5577-0BB5-8546-A8FCD59C9DC5}"/>
               </a:ext>
             </a:extLst>
@@ -10551,7 +10990,7 @@
             <a:fld id="{B5CEABB6-07DC-46E8-9B57-56EC44A396E5}" type="slidenum">
               <a:rPr lang="en-US" smtClean="0"/>
               <a:pPr/>
-              <a:t>11</a:t>
+              <a:t>12</a:t>
             </a:fld>
             <a:endParaRPr lang="en-US" dirty="0"/>
           </a:p>
@@ -14233,7 +14672,7 @@
           <a:p>
             <a:r>
               <a:rPr lang="en-US" dirty="0"/>
-              <a:t>Word generation (LSTM output)</a:t>
+              <a:t>note: Update – decoder training</a:t>
             </a:r>
           </a:p>
         </p:txBody>
@@ -14261,7 +14700,7 @@
           <a:p>
             <a:r>
               <a:rPr lang="en-US" dirty="0"/>
-              <a:t>Word-by-word generation</a:t>
+              <a:t>Decoder training</a:t>
             </a:r>
           </a:p>
         </p:txBody>
@@ -14285,7 +14724,7 @@
         <p:spPr>
           <a:xfrm>
             <a:off x="2024740" y="3069773"/>
-            <a:ext cx="4334689" cy="3069771"/>
+            <a:ext cx="4542315" cy="3069771"/>
           </a:xfrm>
         </p:spPr>
         <p:txBody>
@@ -14296,29 +14735,94 @@
           <a:p>
             <a:r>
               <a:rPr lang="en-US" dirty="0"/>
-              <a:t>More traditional and commonly used</a:t>
+              <a:t>LSTM concatenates whole sequence </a:t>
             </a:r>
           </a:p>
           <a:p>
             <a:r>
               <a:rPr lang="en-US" dirty="0"/>
-              <a:t>LSTM generates each word of the caption on at a time, based on the previous word (index), image features and hidden and cell states</a:t>
-            </a:r>
-          </a:p>
-          <a:p>
+              <a:t>Previously was length set to 1, which </a:t>
+            </a:r>
+            <a:r>
+              <a:rPr lang="en-US" i="1" dirty="0"/>
+              <a:t>worked, </a:t>
+            </a:r>
             <a:r>
               <a:rPr lang="en-US" dirty="0"/>
-              <a:t>it can potentially result in more diverse and interesting captions</a:t>
+              <a:t>BUT it was not using the full potential of LSTM (I kept the old code as well, but I believe this is the right way)</a:t>
             </a:r>
           </a:p>
           <a:p>
             <a:r>
               <a:rPr lang="en-US" dirty="0"/>
-              <a:t>However, this approach can be slower and more computationally expensive, especially if the length of the captions is long</a:t>
-            </a:r>
+              <a:t>changes only in </a:t>
+            </a:r>
+            <a:r>
+              <a:rPr lang="en-US" i="1" dirty="0"/>
+              <a:t>main_updated.py </a:t>
+            </a:r>
+            <a:r>
+              <a:rPr lang="en-US" dirty="0"/>
+              <a:t>in training (and eval) loop </a:t>
+            </a:r>
+            <a:endParaRPr lang="en-US" i="1" dirty="0"/>
           </a:p>
           <a:p>
             <a:endParaRPr lang="en-US" dirty="0"/>
+          </a:p>
+          <a:p>
+            <a:r>
+              <a:rPr lang="en-US" b="1" u="sng" dirty="0"/>
+              <a:t>CHANGES:</a:t>
+            </a:r>
+          </a:p>
+          <a:p>
+            <a:r>
+              <a:rPr lang="en-US" dirty="0"/>
+              <a:t>1. features: (1, B, IMAGE_EMB_DIM) </a:t>
+            </a:r>
+            <a:r>
+              <a:rPr lang="en-US" dirty="0">
+                <a:sym typeface="Wingdings" panose="05000000000000000000" pitchFamily="2" charset="2"/>
+              </a:rPr>
+              <a:t> (SEQ_L, B, IMAGE_EMDB_DIM)</a:t>
+            </a:r>
+          </a:p>
+          <a:p>
+            <a:r>
+              <a:rPr lang="en-US" dirty="0">
+                <a:sym typeface="Wingdings" panose="05000000000000000000" pitchFamily="2" charset="2"/>
+              </a:rPr>
+              <a:t>2. </a:t>
+            </a:r>
+            <a:r>
+              <a:rPr lang="en-US" dirty="0" err="1">
+                <a:sym typeface="Wingdings" panose="05000000000000000000" pitchFamily="2" charset="2"/>
+              </a:rPr>
+              <a:t>emb_captions</a:t>
+            </a:r>
+            <a:r>
+              <a:rPr lang="en-US" dirty="0">
+                <a:sym typeface="Wingdings" panose="05000000000000000000" pitchFamily="2" charset="2"/>
+              </a:rPr>
+              <a:t> batch[j, :, :]  as whole</a:t>
+            </a:r>
+          </a:p>
+          <a:p>
+            <a:r>
+              <a:rPr lang="en-US" dirty="0">
+                <a:sym typeface="Wingdings" panose="05000000000000000000" pitchFamily="2" charset="2"/>
+              </a:rPr>
+              <a:t>3. output: (1,B,VOCAB_SIZE)  (SEQ_L, B, VOCAB_SIZE)</a:t>
+            </a:r>
+          </a:p>
+          <a:p>
+            <a:pPr marL="0" indent="0">
+              <a:buNone/>
+            </a:pPr>
+            <a:endParaRPr lang="en-US" dirty="0">
+              <a:sym typeface="Wingdings" panose="05000000000000000000" pitchFamily="2" charset="2"/>
+            </a:endParaRPr>
           </a:p>
         </p:txBody>
       </p:sp>
@@ -14345,7 +14849,7 @@
           <a:p>
             <a:r>
               <a:rPr lang="en-US" sz="1600" dirty="0"/>
-              <a:t>main.py</a:t>
+              <a:t>main_updated.py</a:t>
             </a:r>
           </a:p>
         </p:txBody>
@@ -14382,10 +14886,10 @@
       </p:sp>
       <p:pic>
         <p:nvPicPr>
-          <p:cNvPr id="24" name="Picture 23">
-            <a:extLst>
-              <a:ext uri="{FF2B5EF4-FFF2-40B4-BE49-F238E27FC236}">
-                <a16:creationId xmlns:a16="http://schemas.microsoft.com/office/drawing/2014/main" id="{784D89A7-1F24-B055-5041-929CFE28716A}"/>
+          <p:cNvPr id="5" name="Picture 4">
+            <a:extLst>
+              <a:ext uri="{FF2B5EF4-FFF2-40B4-BE49-F238E27FC236}">
+                <a16:creationId xmlns:a16="http://schemas.microsoft.com/office/drawing/2014/main" id="{14319DE5-013F-090B-14A5-D91A0E9F655F}"/>
               </a:ext>
             </a:extLst>
           </p:cNvPr>
@@ -14402,18 +14906,171 @@
         </p:blipFill>
         <p:spPr>
           <a:xfrm>
-            <a:off x="6400993" y="3069773"/>
-            <a:ext cx="5101906" cy="1949357"/>
+            <a:off x="6907109" y="2325341"/>
+            <a:ext cx="4806115" cy="3760764"/>
           </a:xfrm>
           <a:prstGeom prst="rect">
             <a:avLst/>
           </a:prstGeom>
         </p:spPr>
       </p:pic>
+      <mc:AlternateContent xmlns:mc="http://schemas.openxmlformats.org/markup-compatibility/2006" xmlns:p14="http://schemas.microsoft.com/office/powerpoint/2010/main">
+        <mc:Choice Requires="p14">
+          <p:contentPart p14:bwMode="auto" r:id="rId3">
+            <p14:nvContentPartPr>
+              <p14:cNvPr id="9" name="Ink 8">
+                <a:extLst>
+                  <a:ext uri="{FF2B5EF4-FFF2-40B4-BE49-F238E27FC236}">
+                    <a16:creationId xmlns:a16="http://schemas.microsoft.com/office/drawing/2014/main" id="{B04D9B56-201E-BFA9-C7D3-7E148CA0A338}"/>
+                  </a:ext>
+                </a:extLst>
+              </p14:cNvPr>
+              <p14:cNvContentPartPr/>
+              <p14:nvPr/>
+            </p14:nvContentPartPr>
+            <p14:xfrm>
+              <a:off x="6614509" y="3267439"/>
+              <a:ext cx="304200" cy="137520"/>
+            </p14:xfrm>
+          </p:contentPart>
+        </mc:Choice>
+        <mc:Fallback xmlns="">
+          <p:pic>
+            <p:nvPicPr>
+              <p:cNvPr id="9" name="Ink 8">
+                <a:extLst>
+                  <a:ext uri="{FF2B5EF4-FFF2-40B4-BE49-F238E27FC236}">
+                    <a16:creationId xmlns:a16="http://schemas.microsoft.com/office/drawing/2014/main" id="{B04D9B56-201E-BFA9-C7D3-7E148CA0A338}"/>
+                  </a:ext>
+                </a:extLst>
+              </p:cNvPr>
+              <p:cNvPicPr/>
+              <p:nvPr/>
+            </p:nvPicPr>
+            <p:blipFill>
+              <a:blip r:embed="rId4"/>
+              <a:stretch>
+                <a:fillRect/>
+              </a:stretch>
+            </p:blipFill>
+            <p:spPr>
+              <a:xfrm>
+                <a:off x="6605509" y="3258799"/>
+                <a:ext cx="321840" cy="155160"/>
+              </a:xfrm>
+              <a:prstGeom prst="rect">
+                <a:avLst/>
+              </a:prstGeom>
+            </p:spPr>
+          </p:pic>
+        </mc:Fallback>
+      </mc:AlternateContent>
+      <mc:AlternateContent xmlns:mc="http://schemas.openxmlformats.org/markup-compatibility/2006" xmlns:p14="http://schemas.microsoft.com/office/powerpoint/2010/main">
+        <mc:Choice Requires="p14">
+          <p:contentPart p14:bwMode="auto" r:id="rId5">
+            <p14:nvContentPartPr>
+              <p14:cNvPr id="11" name="Ink 10">
+                <a:extLst>
+                  <a:ext uri="{FF2B5EF4-FFF2-40B4-BE49-F238E27FC236}">
+                    <a16:creationId xmlns:a16="http://schemas.microsoft.com/office/drawing/2014/main" id="{272E5FFB-0CA2-4F73-38DA-39E27D6C8DB1}"/>
+                  </a:ext>
+                </a:extLst>
+              </p14:cNvPr>
+              <p14:cNvContentPartPr/>
+              <p14:nvPr/>
+            </p14:nvContentPartPr>
+            <p14:xfrm>
+              <a:off x="6632149" y="2578039"/>
+              <a:ext cx="243000" cy="116640"/>
+            </p14:xfrm>
+          </p:contentPart>
+        </mc:Choice>
+        <mc:Fallback xmlns="">
+          <p:pic>
+            <p:nvPicPr>
+              <p:cNvPr id="11" name="Ink 10">
+                <a:extLst>
+                  <a:ext uri="{FF2B5EF4-FFF2-40B4-BE49-F238E27FC236}">
+                    <a16:creationId xmlns:a16="http://schemas.microsoft.com/office/drawing/2014/main" id="{272E5FFB-0CA2-4F73-38DA-39E27D6C8DB1}"/>
+                  </a:ext>
+                </a:extLst>
+              </p:cNvPr>
+              <p:cNvPicPr/>
+              <p:nvPr/>
+            </p:nvPicPr>
+            <p:blipFill>
+              <a:blip r:embed="rId8"/>
+              <a:stretch>
+                <a:fillRect/>
+              </a:stretch>
+            </p:blipFill>
+            <p:spPr>
+              <a:xfrm>
+                <a:off x="6623509" y="2569039"/>
+                <a:ext cx="260640" cy="134280"/>
+              </a:xfrm>
+              <a:prstGeom prst="rect">
+                <a:avLst/>
+              </a:prstGeom>
+            </p:spPr>
+          </p:pic>
+        </mc:Fallback>
+      </mc:AlternateContent>
+      <mc:AlternateContent xmlns:mc="http://schemas.openxmlformats.org/markup-compatibility/2006" xmlns:p14="http://schemas.microsoft.com/office/powerpoint/2010/main">
+        <mc:Choice Requires="p14">
+          <p:contentPart p14:bwMode="auto" r:id="rId9">
+            <p14:nvContentPartPr>
+              <p14:cNvPr id="15" name="Ink 14">
+                <a:extLst>
+                  <a:ext uri="{FF2B5EF4-FFF2-40B4-BE49-F238E27FC236}">
+                    <a16:creationId xmlns:a16="http://schemas.microsoft.com/office/drawing/2014/main" id="{2A267E1E-F8A7-C270-F50E-67FAAFF73C90}"/>
+                  </a:ext>
+                </a:extLst>
+              </p14:cNvPr>
+              <p14:cNvContentPartPr/>
+              <p14:nvPr/>
+            </p14:nvContentPartPr>
+            <p14:xfrm>
+              <a:off x="6650149" y="4074199"/>
+              <a:ext cx="272520" cy="156240"/>
+            </p14:xfrm>
+          </p:contentPart>
+        </mc:Choice>
+        <mc:Fallback xmlns="">
+          <p:pic>
+            <p:nvPicPr>
+              <p:cNvPr id="15" name="Ink 14">
+                <a:extLst>
+                  <a:ext uri="{FF2B5EF4-FFF2-40B4-BE49-F238E27FC236}">
+                    <a16:creationId xmlns:a16="http://schemas.microsoft.com/office/drawing/2014/main" id="{2A267E1E-F8A7-C270-F50E-67FAAFF73C90}"/>
+                  </a:ext>
+                </a:extLst>
+              </p:cNvPr>
+              <p:cNvPicPr/>
+              <p:nvPr/>
+            </p:nvPicPr>
+            <p:blipFill>
+              <a:blip r:embed="rId12"/>
+              <a:stretch>
+                <a:fillRect/>
+              </a:stretch>
+            </p:blipFill>
+            <p:spPr>
+              <a:xfrm>
+                <a:off x="6641149" y="4065199"/>
+                <a:ext cx="290160" cy="173880"/>
+              </a:xfrm>
+              <a:prstGeom prst="rect">
+                <a:avLst/>
+              </a:prstGeom>
+            </p:spPr>
+          </p:pic>
+        </mc:Fallback>
+      </mc:AlternateContent>
     </p:spTree>
     <p:extLst>
       <p:ext uri="{BB962C8B-B14F-4D97-AF65-F5344CB8AC3E}">
-        <p14:creationId xmlns:p14="http://schemas.microsoft.com/office/powerpoint/2010/main" val="397625461"/>
+        <p14:creationId xmlns:p14="http://schemas.microsoft.com/office/powerpoint/2010/main" val="3899341357"/>
       </p:ext>
     </p:extLst>
   </p:cSld>
@@ -14920,15 +15577,6 @@
 </file>
 
 <file path=customXml/item1.xml><?xml version="1.0" encoding="utf-8"?>
-<?mso-contentType ?>
-<FormTemplates xmlns="http://schemas.microsoft.com/sharepoint/v3/contenttype/forms">
-  <Display>DocumentLibraryForm</Display>
-  <Edit>DocumentLibraryForm</Edit>
-  <New>DocumentLibraryForm</New>
-</FormTemplates>
-</file>
-
-<file path=customXml/item2.xml><?xml version="1.0" encoding="utf-8"?>
 <p:properties xmlns:p="http://schemas.microsoft.com/office/2006/metadata/properties" xmlns:xsi="http://www.w3.org/2001/XMLSchema-instance" xmlns:pc="http://schemas.microsoft.com/office/infopath/2007/PartnerControls">
   <documentManagement>
     <_ip_UnifiedCompliancePolicyUIAction xmlns="http://schemas.microsoft.com/sharepoint/v3" xsi:nil="true"/>
@@ -14945,6 +15593,15 @@
     <MediaServiceKeyPoints xmlns="71af3243-3dd4-4a8d-8c0d-dd76da1f02a5" xsi:nil="true"/>
   </documentManagement>
 </p:properties>
+</file>
+
+<file path=customXml/item2.xml><?xml version="1.0" encoding="utf-8"?>
+<?mso-contentType ?>
+<FormTemplates xmlns="http://schemas.microsoft.com/sharepoint/v3/contenttype/forms">
+  <Display>DocumentLibraryForm</Display>
+  <Edit>DocumentLibraryForm</Edit>
+  <New>DocumentLibraryForm</New>
+</FormTemplates>
 </file>
 
 <file path=customXml/item3.xml><?xml version="1.0" encoding="utf-8"?>
@@ -15230,14 +15887,6 @@
 </file>
 
 <file path=customXml/itemProps1.xml><?xml version="1.0" encoding="utf-8"?>
-<ds:datastoreItem xmlns:ds="http://schemas.openxmlformats.org/officeDocument/2006/customXml" ds:itemID="{E618C13B-9D83-4AF4-B64D-33362D5133F8}">
-  <ds:schemaRefs>
-    <ds:schemaRef ds:uri="http://schemas.microsoft.com/sharepoint/v3/contenttype/forms"/>
-  </ds:schemaRefs>
-</ds:datastoreItem>
-</file>
-
-<file path=customXml/itemProps2.xml><?xml version="1.0" encoding="utf-8"?>
 <ds:datastoreItem xmlns:ds="http://schemas.openxmlformats.org/officeDocument/2006/customXml" ds:itemID="{CA4F7154-AFAC-4BE7-8A74-7F4B6FC2743C}">
   <ds:schemaRefs>
     <ds:schemaRef ds:uri="http://schemas.microsoft.com/office/2006/metadata/properties"/>
@@ -15245,6 +15894,14 @@
     <ds:schemaRef ds:uri="http://schemas.microsoft.com/sharepoint/v3"/>
     <ds:schemaRef ds:uri="71af3243-3dd4-4a8d-8c0d-dd76da1f02a5"/>
     <ds:schemaRef ds:uri="230e9df3-be65-4c73-a93b-d1236ebd677e"/>
+  </ds:schemaRefs>
+</ds:datastoreItem>
+</file>
+
+<file path=customXml/itemProps2.xml><?xml version="1.0" encoding="utf-8"?>
+<ds:datastoreItem xmlns:ds="http://schemas.openxmlformats.org/officeDocument/2006/customXml" ds:itemID="{E618C13B-9D83-4AF4-B64D-33362D5133F8}">
+  <ds:schemaRefs>
+    <ds:schemaRef ds:uri="http://schemas.microsoft.com/sharepoint/v3/contenttype/forms"/>
   </ds:schemaRefs>
 </ds:datastoreItem>
 </file>
